--- a/Capstone Three Final Slides.pptx
+++ b/Capstone Three Final Slides.pptx
@@ -1191,7 +1191,7 @@
   <p:cSld>
     <p:spTree>
       <p:nvGrpSpPr>
-        <p:cNvPr id="82" name="Shape 82"/>
+        <p:cNvPr id="83" name="Shape 83"/>
         <p:cNvGrpSpPr/>
         <p:nvPr/>
       </p:nvGrpSpPr>
@@ -1205,7 +1205,7 @@
       </p:grpSpPr>
       <p:sp>
         <p:nvSpPr>
-          <p:cNvPr id="83" name="Google Shape;83;g1a4e5341778_0_67:notes"/>
+          <p:cNvPr id="84" name="Google Shape;84;g1a4e5341778_0_67:notes"/>
           <p:cNvSpPr/>
           <p:nvPr>
             <p:ph idx="2" type="sldImg"/>
@@ -1240,7 +1240,7 @@
       </p:sp>
       <p:sp>
         <p:nvSpPr>
-          <p:cNvPr id="84" name="Google Shape;84;g1a4e5341778_0_67:notes"/>
+          <p:cNvPr id="85" name="Google Shape;85;g1a4e5341778_0_67:notes"/>
           <p:cNvSpPr txBox="1"/>
           <p:nvPr>
             <p:ph idx="1" type="body"/>
@@ -6594,6 +6594,34 @@
           </a:p>
         </p:txBody>
       </p:sp>
+      <p:pic>
+        <p:nvPicPr>
+          <p:cNvPr id="82" name="Google Shape;82;p17"/>
+          <p:cNvPicPr preferRelativeResize="0"/>
+          <p:nvPr/>
+        </p:nvPicPr>
+        <p:blipFill>
+          <a:blip r:embed="rId3">
+            <a:alphaModFix/>
+          </a:blip>
+          <a:stretch>
+            <a:fillRect/>
+          </a:stretch>
+        </p:blipFill>
+        <p:spPr>
+          <a:xfrm>
+            <a:off x="4330901" y="2069900"/>
+            <a:ext cx="3837274" cy="2498976"/>
+          </a:xfrm>
+          <a:prstGeom prst="rect">
+            <a:avLst/>
+          </a:prstGeom>
+          <a:noFill/>
+          <a:ln>
+            <a:noFill/>
+          </a:ln>
+        </p:spPr>
+      </p:pic>
     </p:spTree>
   </p:cSld>
   <p:clrMapOvr>
@@ -6607,7 +6635,7 @@
   <p:cSld>
     <p:spTree>
       <p:nvGrpSpPr>
-        <p:cNvPr id="85" name="Shape 85"/>
+        <p:cNvPr id="86" name="Shape 86"/>
         <p:cNvGrpSpPr/>
         <p:nvPr/>
       </p:nvGrpSpPr>
@@ -6621,7 +6649,7 @@
       </p:grpSpPr>
       <p:sp>
         <p:nvSpPr>
-          <p:cNvPr id="86" name="Google Shape;86;p18"/>
+          <p:cNvPr id="87" name="Google Shape;87;p18"/>
           <p:cNvSpPr txBox="1"/>
           <p:nvPr>
             <p:ph type="title"/>
@@ -6661,7 +6689,7 @@
       </p:sp>
       <p:sp>
         <p:nvSpPr>
-          <p:cNvPr id="87" name="Google Shape;87;p18"/>
+          <p:cNvPr id="88" name="Google Shape;88;p18"/>
           <p:cNvSpPr txBox="1"/>
           <p:nvPr>
             <p:ph idx="1" type="body"/>

--- a/Capstone Three Final Slides.pptx
+++ b/Capstone Three Final Slides.pptx
@@ -13,7 +13,6 @@
     <p:sldId id="258" r:id="rId8"/>
     <p:sldId id="259" r:id="rId9"/>
     <p:sldId id="260" r:id="rId10"/>
-    <p:sldId id="261" r:id="rId11"/>
   </p:sldIdLst>
   <p:sldSz cy="5143500" cx="9144000"/>
   <p:notesSz cx="6858000" cy="9144000"/>
@@ -1142,105 +1141,6 @@
       <p:sp>
         <p:nvSpPr>
           <p:cNvPr id="78" name="Google Shape;78;g1a4e5341778_0_62:notes"/>
-          <p:cNvSpPr txBox="1"/>
-          <p:nvPr>
-            <p:ph idx="1" type="body"/>
-          </p:nvPr>
-        </p:nvSpPr>
-        <p:spPr>
-          <a:xfrm>
-            <a:off x="685800" y="4343400"/>
-            <a:ext cx="5486400" cy="4114800"/>
-          </a:xfrm>
-          <a:prstGeom prst="rect">
-            <a:avLst/>
-          </a:prstGeom>
-        </p:spPr>
-        <p:txBody>
-          <a:bodyPr anchorCtr="0" anchor="t" bIns="91425" lIns="91425" spcFirstLastPara="1" rIns="91425" wrap="square" tIns="91425">
-            <a:noAutofit/>
-          </a:bodyPr>
-          <a:lstStyle/>
-          <a:p>
-            <a:pPr indent="0" lvl="0" marL="0" rtl="0" algn="l">
-              <a:spcBef>
-                <a:spcPts val="0"/>
-              </a:spcBef>
-              <a:spcAft>
-                <a:spcPts val="0"/>
-              </a:spcAft>
-              <a:buNone/>
-            </a:pPr>
-            <a:r>
-              <a:t/>
-            </a:r>
-            <a:endParaRPr/>
-          </a:p>
-        </p:txBody>
-      </p:sp>
-    </p:spTree>
-  </p:cSld>
-  <p:clrMapOvr>
-    <a:masterClrMapping/>
-  </p:clrMapOvr>
-</p:notes>
-</file>
-
-<file path=ppt/notesSlides/notesSlide6.xml><?xml version="1.0" encoding="utf-8"?>
-<p:notes xmlns:a="http://schemas.openxmlformats.org/drawingml/2006/main" xmlns:r="http://schemas.openxmlformats.org/officeDocument/2006/relationships" xmlns:mc="http://schemas.openxmlformats.org/markup-compatibility/2006" xmlns:mv="urn:schemas-microsoft-com:mac:vml" xmlns:p="http://schemas.openxmlformats.org/presentationml/2006/main" xmlns:c="http://schemas.openxmlformats.org/drawingml/2006/chart" xmlns:dgm="http://schemas.openxmlformats.org/drawingml/2006/diagram" xmlns:o="urn:schemas-microsoft-com:office:office" xmlns:v="urn:schemas-microsoft-com:vml" xmlns:pvml="urn:schemas-microsoft-com:office:powerpoint" xmlns:com="http://schemas.openxmlformats.org/drawingml/2006/compatibility" xmlns:p14="http://schemas.microsoft.com/office/powerpoint/2010/main" xmlns:p15="http://schemas.microsoft.com/office/powerpoint/2012/main" xmlns:ahyp="http://schemas.microsoft.com/office/drawing/2018/hyperlinkcolor" showMasterPhAnim="0" showMasterSp="0">
-  <p:cSld>
-    <p:spTree>
-      <p:nvGrpSpPr>
-        <p:cNvPr id="83" name="Shape 83"/>
-        <p:cNvGrpSpPr/>
-        <p:nvPr/>
-      </p:nvGrpSpPr>
-      <p:grpSpPr>
-        <a:xfrm>
-          <a:off x="0" y="0"/>
-          <a:ext cx="0" cy="0"/>
-          <a:chOff x="0" y="0"/>
-          <a:chExt cx="0" cy="0"/>
-        </a:xfrm>
-      </p:grpSpPr>
-      <p:sp>
-        <p:nvSpPr>
-          <p:cNvPr id="84" name="Google Shape;84;g1a4e5341778_0_67:notes"/>
-          <p:cNvSpPr/>
-          <p:nvPr>
-            <p:ph idx="2" type="sldImg"/>
-          </p:nvPr>
-        </p:nvSpPr>
-        <p:spPr>
-          <a:xfrm>
-            <a:off x="381300" y="685800"/>
-            <a:ext cx="6096000" cy="3429000"/>
-          </a:xfrm>
-          <a:custGeom>
-            <a:rect b="b" l="l" r="r" t="t"/>
-            <a:pathLst>
-              <a:path extrusionOk="0" h="120000" w="120000">
-                <a:moveTo>
-                  <a:pt x="0" y="0"/>
-                </a:moveTo>
-                <a:lnTo>
-                  <a:pt x="120000" y="0"/>
-                </a:lnTo>
-                <a:lnTo>
-                  <a:pt x="120000" y="120000"/>
-                </a:lnTo>
-                <a:lnTo>
-                  <a:pt x="0" y="120000"/>
-                </a:lnTo>
-                <a:close/>
-              </a:path>
-            </a:pathLst>
-          </a:custGeom>
-        </p:spPr>
-      </p:sp>
-      <p:sp>
-        <p:nvSpPr>
-          <p:cNvPr id="85" name="Google Shape;85;g1a4e5341778_0_67:notes"/>
           <p:cNvSpPr txBox="1"/>
           <p:nvPr>
             <p:ph idx="1" type="body"/>
@@ -6153,7 +6053,7 @@
             </a:pPr>
             <a:r>
               <a:rPr lang="en"/>
-              <a:t>Can AI Assist in Diagnosis of Brian Tumor</a:t>
+              <a:t>Can AI Assist in Diagnosis of Brian Tumors</a:t>
             </a:r>
             <a:endParaRPr/>
           </a:p>
@@ -6431,7 +6331,7 @@
         </p:nvSpPr>
         <p:spPr>
           <a:xfrm>
-            <a:off x="311700" y="1152475"/>
+            <a:off x="354150" y="1131250"/>
             <a:ext cx="8520600" cy="3416400"/>
           </a:xfrm>
           <a:prstGeom prst="rect">
@@ -6477,8 +6377,8 @@
         </p:blipFill>
         <p:spPr>
           <a:xfrm>
-            <a:off x="5014900" y="1924500"/>
-            <a:ext cx="3291100" cy="2708125"/>
+            <a:off x="3438175" y="2695500"/>
+            <a:ext cx="4970900" cy="969325"/>
           </a:xfrm>
           <a:prstGeom prst="rect">
             <a:avLst/>
@@ -6622,132 +6522,6 @@
           </a:ln>
         </p:spPr>
       </p:pic>
-    </p:spTree>
-  </p:cSld>
-  <p:clrMapOvr>
-    <a:masterClrMapping/>
-  </p:clrMapOvr>
-</p:sld>
-</file>
-
-<file path=ppt/slides/slide6.xml><?xml version="1.0" encoding="utf-8"?>
-<p:sld xmlns:a="http://schemas.openxmlformats.org/drawingml/2006/main" xmlns:r="http://schemas.openxmlformats.org/officeDocument/2006/relationships" xmlns:mc="http://schemas.openxmlformats.org/markup-compatibility/2006" xmlns:mv="urn:schemas-microsoft-com:mac:vml" xmlns:p="http://schemas.openxmlformats.org/presentationml/2006/main" xmlns:c="http://schemas.openxmlformats.org/drawingml/2006/chart" xmlns:dgm="http://schemas.openxmlformats.org/drawingml/2006/diagram" xmlns:o="urn:schemas-microsoft-com:office:office" xmlns:v="urn:schemas-microsoft-com:vml" xmlns:pvml="urn:schemas-microsoft-com:office:powerpoint" xmlns:com="http://schemas.openxmlformats.org/drawingml/2006/compatibility" xmlns:p14="http://schemas.microsoft.com/office/powerpoint/2010/main" xmlns:p15="http://schemas.microsoft.com/office/powerpoint/2012/main" xmlns:ahyp="http://schemas.microsoft.com/office/drawing/2018/hyperlinkcolor">
-  <p:cSld>
-    <p:spTree>
-      <p:nvGrpSpPr>
-        <p:cNvPr id="86" name="Shape 86"/>
-        <p:cNvGrpSpPr/>
-        <p:nvPr/>
-      </p:nvGrpSpPr>
-      <p:grpSpPr>
-        <a:xfrm>
-          <a:off x="0" y="0"/>
-          <a:ext cx="0" cy="0"/>
-          <a:chOff x="0" y="0"/>
-          <a:chExt cx="0" cy="0"/>
-        </a:xfrm>
-      </p:grpSpPr>
-      <p:sp>
-        <p:nvSpPr>
-          <p:cNvPr id="87" name="Google Shape;87;p18"/>
-          <p:cNvSpPr txBox="1"/>
-          <p:nvPr>
-            <p:ph type="title"/>
-          </p:nvPr>
-        </p:nvSpPr>
-        <p:spPr>
-          <a:xfrm>
-            <a:off x="311700" y="445025"/>
-            <a:ext cx="8520600" cy="572700"/>
-          </a:xfrm>
-          <a:prstGeom prst="rect">
-            <a:avLst/>
-          </a:prstGeom>
-        </p:spPr>
-        <p:txBody>
-          <a:bodyPr anchorCtr="0" anchor="t" bIns="91425" lIns="91425" spcFirstLastPara="1" rIns="91425" wrap="square" tIns="91425">
-            <a:normAutofit fontScale="90000"/>
-          </a:bodyPr>
-          <a:lstStyle/>
-          <a:p>
-            <a:pPr indent="0" lvl="0" marL="0" rtl="0" algn="l">
-              <a:spcBef>
-                <a:spcPts val="0"/>
-              </a:spcBef>
-              <a:spcAft>
-                <a:spcPts val="0"/>
-              </a:spcAft>
-              <a:buNone/>
-            </a:pPr>
-            <a:r>
-              <a:rPr lang="en"/>
-              <a:t>Citation</a:t>
-            </a:r>
-            <a:endParaRPr/>
-          </a:p>
-        </p:txBody>
-      </p:sp>
-      <p:sp>
-        <p:nvSpPr>
-          <p:cNvPr id="88" name="Google Shape;88;p18"/>
-          <p:cNvSpPr txBox="1"/>
-          <p:nvPr>
-            <p:ph idx="1" type="body"/>
-          </p:nvPr>
-        </p:nvSpPr>
-        <p:spPr>
-          <a:xfrm>
-            <a:off x="311700" y="1152475"/>
-            <a:ext cx="8520600" cy="3416400"/>
-          </a:xfrm>
-          <a:prstGeom prst="rect">
-            <a:avLst/>
-          </a:prstGeom>
-        </p:spPr>
-        <p:txBody>
-          <a:bodyPr anchorCtr="0" anchor="t" bIns="91425" lIns="91425" spcFirstLastPara="1" rIns="91425" wrap="square" tIns="91425">
-            <a:normAutofit/>
-          </a:bodyPr>
-          <a:lstStyle/>
-          <a:p>
-            <a:pPr indent="0" lvl="0" marL="0" rtl="0" algn="l">
-              <a:spcBef>
-                <a:spcPts val="0"/>
-              </a:spcBef>
-              <a:spcAft>
-                <a:spcPts val="0"/>
-              </a:spcAft>
-              <a:buNone/>
-            </a:pPr>
-            <a:r>
-              <a:rPr lang="en" u="sng">
-                <a:solidFill>
-                  <a:schemeClr val="hlink"/>
-                </a:solidFill>
-                <a:hlinkClick r:id="rId3"/>
-              </a:rPr>
-              <a:t>https://www.ncbi.nlm.nih.gov/pmc/articles/PMC6136128/</a:t>
-            </a:r>
-            <a:endParaRPr/>
-          </a:p>
-          <a:p>
-            <a:pPr indent="0" lvl="0" marL="0" rtl="0" algn="l">
-              <a:spcBef>
-                <a:spcPts val="1200"/>
-              </a:spcBef>
-              <a:spcAft>
-                <a:spcPts val="1200"/>
-              </a:spcAft>
-              <a:buNone/>
-            </a:pPr>
-            <a:r>
-              <a:rPr lang="en"/>
-              <a:t>https://www.cancer.gov/news-events/cancer-currents-blog/2020/artificial-intelligence-brain-tumor-diagnosis-surgery#:~:text=Testing%20in%20a%20Clinical%20Trial&amp;text=That%20proved%20to%20be%20the,overall%20accuracy%20rate%20of%2093.9%25.</a:t>
-            </a:r>
-            <a:endParaRPr/>
-          </a:p>
-        </p:txBody>
-      </p:sp>
     </p:spTree>
   </p:cSld>
   <p:clrMapOvr>
